--- a/FinalFile/TTTranNguyenLoc297.pptx
+++ b/FinalFile/TTTranNguyenLoc297.pptx
@@ -240,7 +240,7 @@
           <a:p>
             <a:fld id="{FD67E8BE-BB13-4823-ACDA-2DADDF5CD422}" type="datetimeFigureOut">
               <a:rPr lang="en-US" smtClean="0"/>
-              <a:t>12/9/2023</a:t>
+              <a:t>12/14/2023</a:t>
             </a:fld>
             <a:endParaRPr lang="en-US"/>
           </a:p>
@@ -1227,9 +1227,9 @@
           <a:bodyPr/>
           <a:lstStyle/>
           <a:p>
-            <a:fld id="{1C4F4030-23E1-4E41-82B8-DE4CF45EDD50}" type="datetimeFigureOut">
+            <a:fld id="{BAF253BE-C34A-4BF0-990C-8DBBB49CB08D}" type="datetime1">
               <a:rPr lang="en-US" smtClean="0"/>
-              <a:t>12/9/2023</a:t>
+              <a:t>12/14/2023</a:t>
             </a:fld>
             <a:endParaRPr lang="en-US"/>
           </a:p>
@@ -1478,9 +1478,9 @@
           <a:bodyPr/>
           <a:lstStyle/>
           <a:p>
-            <a:fld id="{1C4F4030-23E1-4E41-82B8-DE4CF45EDD50}" type="datetimeFigureOut">
+            <a:fld id="{31733CD6-2B0A-4CD9-8D6B-A3488DFA026A}" type="datetime1">
               <a:rPr lang="en-US" smtClean="0"/>
-              <a:t>12/9/2023</a:t>
+              <a:t>12/14/2023</a:t>
             </a:fld>
             <a:endParaRPr lang="en-US"/>
           </a:p>
@@ -1792,9 +1792,9 @@
           <a:bodyPr/>
           <a:lstStyle/>
           <a:p>
-            <a:fld id="{1C4F4030-23E1-4E41-82B8-DE4CF45EDD50}" type="datetimeFigureOut">
+            <a:fld id="{73AF4412-5E78-40CC-BF2F-E7F133460E58}" type="datetime1">
               <a:rPr lang="en-US" smtClean="0"/>
-              <a:t>12/9/2023</a:t>
+              <a:t>12/14/2023</a:t>
             </a:fld>
             <a:endParaRPr lang="en-US"/>
           </a:p>
@@ -2133,9 +2133,9 @@
           <a:bodyPr/>
           <a:lstStyle/>
           <a:p>
-            <a:fld id="{1C4F4030-23E1-4E41-82B8-DE4CF45EDD50}" type="datetimeFigureOut">
+            <a:fld id="{616E4029-7512-4DE7-934C-215BF4425C87}" type="datetime1">
               <a:rPr lang="en-US" smtClean="0"/>
-              <a:t>12/9/2023</a:t>
+              <a:t>12/14/2023</a:t>
             </a:fld>
             <a:endParaRPr lang="en-US"/>
           </a:p>
@@ -2447,9 +2447,9 @@
           <a:bodyPr/>
           <a:lstStyle/>
           <a:p>
-            <a:fld id="{1C4F4030-23E1-4E41-82B8-DE4CF45EDD50}" type="datetimeFigureOut">
+            <a:fld id="{8970CBEB-F305-4E3F-9830-B31A63AF65DB}" type="datetime1">
               <a:rPr lang="en-US" smtClean="0"/>
-              <a:t>12/9/2023</a:t>
+              <a:t>12/14/2023</a:t>
             </a:fld>
             <a:endParaRPr lang="en-US"/>
           </a:p>
@@ -2840,9 +2840,9 @@
           <a:bodyPr/>
           <a:lstStyle/>
           <a:p>
-            <a:fld id="{1C4F4030-23E1-4E41-82B8-DE4CF45EDD50}" type="datetimeFigureOut">
+            <a:fld id="{A7D4C90C-0745-4EE5-B9BF-66D02A1B8A70}" type="datetime1">
               <a:rPr lang="en-US" smtClean="0"/>
-              <a:t>12/9/2023</a:t>
+              <a:t>12/14/2023</a:t>
             </a:fld>
             <a:endParaRPr lang="en-US"/>
           </a:p>
@@ -3010,9 +3010,9 @@
           <a:bodyPr/>
           <a:lstStyle/>
           <a:p>
-            <a:fld id="{1C4F4030-23E1-4E41-82B8-DE4CF45EDD50}" type="datetimeFigureOut">
+            <a:fld id="{C1F38A93-3D75-4BDE-8715-041FD9369296}" type="datetime1">
               <a:rPr lang="en-US" smtClean="0"/>
-              <a:t>12/9/2023</a:t>
+              <a:t>12/14/2023</a:t>
             </a:fld>
             <a:endParaRPr lang="en-US"/>
           </a:p>
@@ -3190,9 +3190,9 @@
           <a:bodyPr/>
           <a:lstStyle/>
           <a:p>
-            <a:fld id="{1C4F4030-23E1-4E41-82B8-DE4CF45EDD50}" type="datetimeFigureOut">
+            <a:fld id="{3BFBFED6-D0F0-40AF-85FC-A661DCE4114D}" type="datetime1">
               <a:rPr lang="en-US" smtClean="0"/>
-              <a:t>12/9/2023</a:t>
+              <a:t>12/14/2023</a:t>
             </a:fld>
             <a:endParaRPr lang="en-US"/>
           </a:p>
@@ -3366,9 +3366,9 @@
           <a:bodyPr/>
           <a:lstStyle/>
           <a:p>
-            <a:fld id="{1C4F4030-23E1-4E41-82B8-DE4CF45EDD50}" type="datetimeFigureOut">
+            <a:fld id="{DDE596AC-7307-4E01-8108-97086244D719}" type="datetime1">
               <a:rPr lang="en-US" smtClean="0"/>
-              <a:t>12/9/2023</a:t>
+              <a:t>12/14/2023</a:t>
             </a:fld>
             <a:endParaRPr lang="en-US"/>
           </a:p>
@@ -3613,9 +3613,9 @@
           <a:bodyPr/>
           <a:lstStyle/>
           <a:p>
-            <a:fld id="{1C4F4030-23E1-4E41-82B8-DE4CF45EDD50}" type="datetimeFigureOut">
+            <a:fld id="{1AB74BC8-977D-4999-96A2-EE7EE285AFA4}" type="datetime1">
               <a:rPr lang="en-US" smtClean="0"/>
-              <a:t>12/9/2023</a:t>
+              <a:t>12/14/2023</a:t>
             </a:fld>
             <a:endParaRPr lang="en-US"/>
           </a:p>
@@ -3845,9 +3845,9 @@
           <a:bodyPr/>
           <a:lstStyle/>
           <a:p>
-            <a:fld id="{1C4F4030-23E1-4E41-82B8-DE4CF45EDD50}" type="datetimeFigureOut">
+            <a:fld id="{47C2522E-3DDF-4A42-82D5-DFB026812198}" type="datetime1">
               <a:rPr lang="en-US" smtClean="0"/>
-              <a:t>12/9/2023</a:t>
+              <a:t>12/14/2023</a:t>
             </a:fld>
             <a:endParaRPr lang="en-US"/>
           </a:p>
@@ -4219,9 +4219,9 @@
           <a:bodyPr/>
           <a:lstStyle/>
           <a:p>
-            <a:fld id="{1C4F4030-23E1-4E41-82B8-DE4CF45EDD50}" type="datetimeFigureOut">
+            <a:fld id="{AF250EE4-E75A-4C33-8979-E83F0683A142}" type="datetime1">
               <a:rPr lang="en-US" smtClean="0"/>
-              <a:t>12/9/2023</a:t>
+              <a:t>12/14/2023</a:t>
             </a:fld>
             <a:endParaRPr lang="en-US"/>
           </a:p>
@@ -4342,9 +4342,9 @@
           <a:bodyPr/>
           <a:lstStyle/>
           <a:p>
-            <a:fld id="{1C4F4030-23E1-4E41-82B8-DE4CF45EDD50}" type="datetimeFigureOut">
+            <a:fld id="{F58675EF-2754-4119-9672-7C6ED9FCCBFE}" type="datetime1">
               <a:rPr lang="en-US" smtClean="0"/>
-              <a:t>12/9/2023</a:t>
+              <a:t>12/14/2023</a:t>
             </a:fld>
             <a:endParaRPr lang="en-US"/>
           </a:p>
@@ -4437,9 +4437,9 @@
           <a:bodyPr/>
           <a:lstStyle/>
           <a:p>
-            <a:fld id="{1C4F4030-23E1-4E41-82B8-DE4CF45EDD50}" type="datetimeFigureOut">
+            <a:fld id="{6123EB8F-8D8C-4DE6-BFAD-2FAC293AE5E3}" type="datetime1">
               <a:rPr lang="en-US" smtClean="0"/>
-              <a:t>12/9/2023</a:t>
+              <a:t>12/14/2023</a:t>
             </a:fld>
             <a:endParaRPr lang="en-US"/>
           </a:p>
@@ -4692,9 +4692,9 @@
           <a:bodyPr/>
           <a:lstStyle/>
           <a:p>
-            <a:fld id="{1C4F4030-23E1-4E41-82B8-DE4CF45EDD50}" type="datetimeFigureOut">
+            <a:fld id="{7C5DAC20-82A8-4FC3-A06F-98D939DB46FE}" type="datetime1">
               <a:rPr lang="en-US" smtClean="0"/>
-              <a:t>12/9/2023</a:t>
+              <a:t>12/14/2023</a:t>
             </a:fld>
             <a:endParaRPr lang="en-US"/>
           </a:p>
@@ -4955,9 +4955,9 @@
           <a:bodyPr/>
           <a:lstStyle/>
           <a:p>
-            <a:fld id="{1C4F4030-23E1-4E41-82B8-DE4CF45EDD50}" type="datetimeFigureOut">
+            <a:fld id="{639FF2E6-6061-4FB1-83A8-13F6EF7BBB27}" type="datetime1">
               <a:rPr lang="en-US" smtClean="0"/>
-              <a:t>12/9/2023</a:t>
+              <a:t>12/14/2023</a:t>
             </a:fld>
             <a:endParaRPr lang="en-US"/>
           </a:p>
@@ -5698,9 +5698,9 @@
             </a:lvl1pPr>
           </a:lstStyle>
           <a:p>
-            <a:fld id="{1C4F4030-23E1-4E41-82B8-DE4CF45EDD50}" type="datetimeFigureOut">
+            <a:fld id="{0CE8B674-614E-46C9-8F18-64A64EB50593}" type="datetime1">
               <a:rPr lang="en-US" smtClean="0"/>
-              <a:t>12/9/2023</a:t>
+              <a:t>12/14/2023</a:t>
             </a:fld>
             <a:endParaRPr lang="en-US"/>
           </a:p>
@@ -5808,6 +5808,7 @@
     <p:sldLayoutId id="2147483705" r:id="rId15"/>
     <p:sldLayoutId id="2147483706" r:id="rId16"/>
   </p:sldLayoutIdLst>
+  <p:hf hdr="0" ftr="0" dt="0"/>
   <p:txStyles>
     <p:titleStyle>
       <a:lvl1pPr algn="l" defTabSz="457200" rtl="0" eaLnBrk="1" latinLnBrk="0" hangingPunct="1">
@@ -6298,6 +6299,40 @@
           </a:p>
         </p:txBody>
       </p:sp>
+      <p:sp>
+        <p:nvSpPr>
+          <p:cNvPr id="4" name="Slide Number Placeholder 3">
+            <a:extLst>
+              <a:ext uri="{FF2B5EF4-FFF2-40B4-BE49-F238E27FC236}">
+                <a16:creationId xmlns:a16="http://schemas.microsoft.com/office/drawing/2014/main" id="{FEE220B0-1638-4DD6-A39B-FAED35ABE7B0}"/>
+              </a:ext>
+            </a:extLst>
+          </p:cNvPr>
+          <p:cNvSpPr>
+            <a:spLocks noGrp="1"/>
+          </p:cNvSpPr>
+          <p:nvPr>
+            <p:ph type="sldNum" sz="quarter" idx="12"/>
+          </p:nvPr>
+        </p:nvSpPr>
+        <p:spPr>
+          <a:xfrm>
+            <a:off x="0" y="6492875"/>
+            <a:ext cx="683339" cy="365125"/>
+          </a:xfrm>
+        </p:spPr>
+        <p:txBody>
+          <a:bodyPr/>
+          <a:lstStyle/>
+          <a:p>
+            <a:fld id="{B91CD15E-AE30-4416-8ECF-E4D642E1B7D0}" type="slidenum">
+              <a:rPr lang="en-US" smtClean="0"/>
+              <a:t>1</a:t>
+            </a:fld>
+            <a:endParaRPr lang="en-US"/>
+          </a:p>
+        </p:txBody>
+      </p:sp>
     </p:spTree>
     <p:extLst>
       <p:ext uri="{BB962C8B-B14F-4D97-AF65-F5344CB8AC3E}">
@@ -6400,7 +6435,7 @@
         <p:spPr>
           <a:xfrm>
             <a:off x="1119437" y="2569166"/>
-            <a:ext cx="7763933" cy="4410754"/>
+            <a:ext cx="7763933" cy="3128249"/>
           </a:xfrm>
         </p:spPr>
         <p:txBody>
@@ -6524,6 +6559,40 @@
               <a:ea typeface="Calibri" panose="020F0502020204030204" pitchFamily="34" charset="0"/>
               <a:cs typeface="Calibri" panose="020F0502020204030204" pitchFamily="34" charset="0"/>
             </a:endParaRPr>
+          </a:p>
+        </p:txBody>
+      </p:sp>
+      <p:sp>
+        <p:nvSpPr>
+          <p:cNvPr id="2" name="Slide Number Placeholder 1">
+            <a:extLst>
+              <a:ext uri="{FF2B5EF4-FFF2-40B4-BE49-F238E27FC236}">
+                <a16:creationId xmlns:a16="http://schemas.microsoft.com/office/drawing/2014/main" id="{B03DB374-1002-40DE-AC4B-AC8FA5244D38}"/>
+              </a:ext>
+            </a:extLst>
+          </p:cNvPr>
+          <p:cNvSpPr>
+            <a:spLocks noGrp="1"/>
+          </p:cNvSpPr>
+          <p:nvPr>
+            <p:ph type="sldNum" sz="quarter" idx="12"/>
+          </p:nvPr>
+        </p:nvSpPr>
+        <p:spPr>
+          <a:xfrm>
+            <a:off x="0" y="6492875"/>
+            <a:ext cx="683339" cy="365125"/>
+          </a:xfrm>
+        </p:spPr>
+        <p:txBody>
+          <a:bodyPr/>
+          <a:lstStyle/>
+          <a:p>
+            <a:fld id="{B91CD15E-AE30-4416-8ECF-E4D642E1B7D0}" type="slidenum">
+              <a:rPr lang="en-US" smtClean="0"/>
+              <a:t>10</a:t>
+            </a:fld>
+            <a:endParaRPr lang="en-US"/>
           </a:p>
         </p:txBody>
       </p:sp>
@@ -6765,6 +6834,40 @@
           </a:p>
         </p:txBody>
       </p:sp>
+      <p:sp>
+        <p:nvSpPr>
+          <p:cNvPr id="2" name="Slide Number Placeholder 1">
+            <a:extLst>
+              <a:ext uri="{FF2B5EF4-FFF2-40B4-BE49-F238E27FC236}">
+                <a16:creationId xmlns:a16="http://schemas.microsoft.com/office/drawing/2014/main" id="{8F6488A2-7745-41F8-8C87-C7B99C9F8BBC}"/>
+              </a:ext>
+            </a:extLst>
+          </p:cNvPr>
+          <p:cNvSpPr>
+            <a:spLocks noGrp="1"/>
+          </p:cNvSpPr>
+          <p:nvPr>
+            <p:ph type="sldNum" sz="quarter" idx="12"/>
+          </p:nvPr>
+        </p:nvSpPr>
+        <p:spPr>
+          <a:xfrm>
+            <a:off x="0" y="6492875"/>
+            <a:ext cx="683339" cy="365125"/>
+          </a:xfrm>
+        </p:spPr>
+        <p:txBody>
+          <a:bodyPr/>
+          <a:lstStyle/>
+          <a:p>
+            <a:fld id="{B91CD15E-AE30-4416-8ECF-E4D642E1B7D0}" type="slidenum">
+              <a:rPr lang="en-US" smtClean="0"/>
+              <a:t>11</a:t>
+            </a:fld>
+            <a:endParaRPr lang="en-US"/>
+          </a:p>
+        </p:txBody>
+      </p:sp>
     </p:spTree>
     <p:extLst>
       <p:ext uri="{BB962C8B-B14F-4D97-AF65-F5344CB8AC3E}">
@@ -6963,6 +7066,40 @@
           </a:p>
         </p:txBody>
       </p:sp>
+      <p:sp>
+        <p:nvSpPr>
+          <p:cNvPr id="2" name="Slide Number Placeholder 1">
+            <a:extLst>
+              <a:ext uri="{FF2B5EF4-FFF2-40B4-BE49-F238E27FC236}">
+                <a16:creationId xmlns:a16="http://schemas.microsoft.com/office/drawing/2014/main" id="{B579C535-0868-42FA-8151-F37587C4C4A9}"/>
+              </a:ext>
+            </a:extLst>
+          </p:cNvPr>
+          <p:cNvSpPr>
+            <a:spLocks noGrp="1"/>
+          </p:cNvSpPr>
+          <p:nvPr>
+            <p:ph type="sldNum" sz="quarter" idx="12"/>
+          </p:nvPr>
+        </p:nvSpPr>
+        <p:spPr>
+          <a:xfrm>
+            <a:off x="0" y="6492875"/>
+            <a:ext cx="683339" cy="365125"/>
+          </a:xfrm>
+        </p:spPr>
+        <p:txBody>
+          <a:bodyPr/>
+          <a:lstStyle/>
+          <a:p>
+            <a:fld id="{B91CD15E-AE30-4416-8ECF-E4D642E1B7D0}" type="slidenum">
+              <a:rPr lang="en-US" smtClean="0"/>
+              <a:t>12</a:t>
+            </a:fld>
+            <a:endParaRPr lang="en-US"/>
+          </a:p>
+        </p:txBody>
+      </p:sp>
     </p:spTree>
     <p:extLst>
       <p:ext uri="{BB962C8B-B14F-4D97-AF65-F5344CB8AC3E}">
@@ -7161,6 +7298,40 @@
           </a:p>
         </p:txBody>
       </p:sp>
+      <p:sp>
+        <p:nvSpPr>
+          <p:cNvPr id="2" name="Slide Number Placeholder 1">
+            <a:extLst>
+              <a:ext uri="{FF2B5EF4-FFF2-40B4-BE49-F238E27FC236}">
+                <a16:creationId xmlns:a16="http://schemas.microsoft.com/office/drawing/2014/main" id="{8951030E-8887-4DDE-91B6-C580ED9F44FE}"/>
+              </a:ext>
+            </a:extLst>
+          </p:cNvPr>
+          <p:cNvSpPr>
+            <a:spLocks noGrp="1"/>
+          </p:cNvSpPr>
+          <p:nvPr>
+            <p:ph type="sldNum" sz="quarter" idx="12"/>
+          </p:nvPr>
+        </p:nvSpPr>
+        <p:spPr>
+          <a:xfrm>
+            <a:off x="0" y="6492875"/>
+            <a:ext cx="683339" cy="365125"/>
+          </a:xfrm>
+        </p:spPr>
+        <p:txBody>
+          <a:bodyPr/>
+          <a:lstStyle/>
+          <a:p>
+            <a:fld id="{B91CD15E-AE30-4416-8ECF-E4D642E1B7D0}" type="slidenum">
+              <a:rPr lang="en-US" smtClean="0"/>
+              <a:t>13</a:t>
+            </a:fld>
+            <a:endParaRPr lang="en-US"/>
+          </a:p>
+        </p:txBody>
+      </p:sp>
     </p:spTree>
     <p:extLst>
       <p:ext uri="{BB962C8B-B14F-4D97-AF65-F5344CB8AC3E}">
@@ -7361,6 +7532,40 @@
           </a:p>
         </p:txBody>
       </p:sp>
+      <p:sp>
+        <p:nvSpPr>
+          <p:cNvPr id="2" name="Slide Number Placeholder 1">
+            <a:extLst>
+              <a:ext uri="{FF2B5EF4-FFF2-40B4-BE49-F238E27FC236}">
+                <a16:creationId xmlns:a16="http://schemas.microsoft.com/office/drawing/2014/main" id="{BA0E954C-80AE-42B6-BEBC-8F2031499BFC}"/>
+              </a:ext>
+            </a:extLst>
+          </p:cNvPr>
+          <p:cNvSpPr>
+            <a:spLocks noGrp="1"/>
+          </p:cNvSpPr>
+          <p:nvPr>
+            <p:ph type="sldNum" sz="quarter" idx="12"/>
+          </p:nvPr>
+        </p:nvSpPr>
+        <p:spPr>
+          <a:xfrm>
+            <a:off x="0" y="6492875"/>
+            <a:ext cx="683339" cy="365125"/>
+          </a:xfrm>
+        </p:spPr>
+        <p:txBody>
+          <a:bodyPr/>
+          <a:lstStyle/>
+          <a:p>
+            <a:fld id="{B91CD15E-AE30-4416-8ECF-E4D642E1B7D0}" type="slidenum">
+              <a:rPr lang="en-US" smtClean="0"/>
+              <a:t>14</a:t>
+            </a:fld>
+            <a:endParaRPr lang="en-US"/>
+          </a:p>
+        </p:txBody>
+      </p:sp>
     </p:spTree>
     <p:extLst>
       <p:ext uri="{BB962C8B-B14F-4D97-AF65-F5344CB8AC3E}">
@@ -7599,6 +7804,40 @@
           </a:p>
         </p:txBody>
       </p:sp>
+      <p:sp>
+        <p:nvSpPr>
+          <p:cNvPr id="2" name="Slide Number Placeholder 1">
+            <a:extLst>
+              <a:ext uri="{FF2B5EF4-FFF2-40B4-BE49-F238E27FC236}">
+                <a16:creationId xmlns:a16="http://schemas.microsoft.com/office/drawing/2014/main" id="{3A5DF9FA-339A-4EA4-8616-E610BE1B8095}"/>
+              </a:ext>
+            </a:extLst>
+          </p:cNvPr>
+          <p:cNvSpPr>
+            <a:spLocks noGrp="1"/>
+          </p:cNvSpPr>
+          <p:nvPr>
+            <p:ph type="sldNum" sz="quarter" idx="12"/>
+          </p:nvPr>
+        </p:nvSpPr>
+        <p:spPr>
+          <a:xfrm>
+            <a:off x="0" y="6492875"/>
+            <a:ext cx="683339" cy="365125"/>
+          </a:xfrm>
+        </p:spPr>
+        <p:txBody>
+          <a:bodyPr/>
+          <a:lstStyle/>
+          <a:p>
+            <a:fld id="{B91CD15E-AE30-4416-8ECF-E4D642E1B7D0}" type="slidenum">
+              <a:rPr lang="en-US" smtClean="0"/>
+              <a:t>15</a:t>
+            </a:fld>
+            <a:endParaRPr lang="en-US"/>
+          </a:p>
+        </p:txBody>
+      </p:sp>
     </p:spTree>
     <p:extLst>
       <p:ext uri="{BB962C8B-B14F-4D97-AF65-F5344CB8AC3E}">
@@ -7777,6 +8016,40 @@
           </a:p>
         </p:txBody>
       </p:sp>
+      <p:sp>
+        <p:nvSpPr>
+          <p:cNvPr id="2" name="Slide Number Placeholder 1">
+            <a:extLst>
+              <a:ext uri="{FF2B5EF4-FFF2-40B4-BE49-F238E27FC236}">
+                <a16:creationId xmlns:a16="http://schemas.microsoft.com/office/drawing/2014/main" id="{5C4B7B00-8492-4668-9882-92656EDD3945}"/>
+              </a:ext>
+            </a:extLst>
+          </p:cNvPr>
+          <p:cNvSpPr>
+            <a:spLocks noGrp="1"/>
+          </p:cNvSpPr>
+          <p:nvPr>
+            <p:ph type="sldNum" sz="quarter" idx="12"/>
+          </p:nvPr>
+        </p:nvSpPr>
+        <p:spPr>
+          <a:xfrm>
+            <a:off x="0" y="6492875"/>
+            <a:ext cx="683339" cy="365125"/>
+          </a:xfrm>
+        </p:spPr>
+        <p:txBody>
+          <a:bodyPr/>
+          <a:lstStyle/>
+          <a:p>
+            <a:fld id="{B91CD15E-AE30-4416-8ECF-E4D642E1B7D0}" type="slidenum">
+              <a:rPr lang="en-US" smtClean="0"/>
+              <a:t>16</a:t>
+            </a:fld>
+            <a:endParaRPr lang="en-US"/>
+          </a:p>
+        </p:txBody>
+      </p:sp>
     </p:spTree>
     <p:extLst>
       <p:ext uri="{BB962C8B-B14F-4D97-AF65-F5344CB8AC3E}">
@@ -7965,6 +8238,40 @@
           </a:p>
         </p:txBody>
       </p:sp>
+      <p:sp>
+        <p:nvSpPr>
+          <p:cNvPr id="2" name="Slide Number Placeholder 1">
+            <a:extLst>
+              <a:ext uri="{FF2B5EF4-FFF2-40B4-BE49-F238E27FC236}">
+                <a16:creationId xmlns:a16="http://schemas.microsoft.com/office/drawing/2014/main" id="{BE602F80-1B70-4B53-90F4-C47DDB31EB8C}"/>
+              </a:ext>
+            </a:extLst>
+          </p:cNvPr>
+          <p:cNvSpPr>
+            <a:spLocks noGrp="1"/>
+          </p:cNvSpPr>
+          <p:nvPr>
+            <p:ph type="sldNum" sz="quarter" idx="12"/>
+          </p:nvPr>
+        </p:nvSpPr>
+        <p:spPr>
+          <a:xfrm>
+            <a:off x="0" y="6480500"/>
+            <a:ext cx="683339" cy="365125"/>
+          </a:xfrm>
+        </p:spPr>
+        <p:txBody>
+          <a:bodyPr/>
+          <a:lstStyle/>
+          <a:p>
+            <a:fld id="{B91CD15E-AE30-4416-8ECF-E4D642E1B7D0}" type="slidenum">
+              <a:rPr lang="en-US" smtClean="0"/>
+              <a:t>17</a:t>
+            </a:fld>
+            <a:endParaRPr lang="en-US"/>
+          </a:p>
+        </p:txBody>
+      </p:sp>
     </p:spTree>
     <p:extLst>
       <p:ext uri="{BB962C8B-B14F-4D97-AF65-F5344CB8AC3E}">
@@ -8067,7 +8374,7 @@
         <p:spPr>
           <a:xfrm>
             <a:off x="904455" y="1807632"/>
-            <a:ext cx="8772945" cy="5050368"/>
+            <a:ext cx="8772945" cy="4685243"/>
           </a:xfrm>
         </p:spPr>
         <p:txBody>
@@ -8167,6 +8474,40 @@
               </a:rPr>
               <a:t>. Do đó, hệ thống khuyến nghị trên những trang web như thế thường dừng ở mức cơ bản.</a:t>
             </a:r>
+          </a:p>
+        </p:txBody>
+      </p:sp>
+      <p:sp>
+        <p:nvSpPr>
+          <p:cNvPr id="2" name="Slide Number Placeholder 1">
+            <a:extLst>
+              <a:ext uri="{FF2B5EF4-FFF2-40B4-BE49-F238E27FC236}">
+                <a16:creationId xmlns:a16="http://schemas.microsoft.com/office/drawing/2014/main" id="{CD192567-FD1B-4BC1-A141-377151D62712}"/>
+              </a:ext>
+            </a:extLst>
+          </p:cNvPr>
+          <p:cNvSpPr>
+            <a:spLocks noGrp="1"/>
+          </p:cNvSpPr>
+          <p:nvPr>
+            <p:ph type="sldNum" sz="quarter" idx="12"/>
+          </p:nvPr>
+        </p:nvSpPr>
+        <p:spPr>
+          <a:xfrm>
+            <a:off x="0" y="6492875"/>
+            <a:ext cx="683339" cy="365125"/>
+          </a:xfrm>
+        </p:spPr>
+        <p:txBody>
+          <a:bodyPr/>
+          <a:lstStyle/>
+          <a:p>
+            <a:fld id="{B91CD15E-AE30-4416-8ECF-E4D642E1B7D0}" type="slidenum">
+              <a:rPr lang="en-US" smtClean="0"/>
+              <a:t>18</a:t>
+            </a:fld>
+            <a:endParaRPr lang="en-US"/>
           </a:p>
         </p:txBody>
       </p:sp>
@@ -9373,6 +9714,40 @@
           </a:p>
         </p:txBody>
       </p:sp>
+      <p:sp>
+        <p:nvSpPr>
+          <p:cNvPr id="2" name="Slide Number Placeholder 1">
+            <a:extLst>
+              <a:ext uri="{FF2B5EF4-FFF2-40B4-BE49-F238E27FC236}">
+                <a16:creationId xmlns:a16="http://schemas.microsoft.com/office/drawing/2014/main" id="{94F2693E-15FC-45A0-B647-6622DA724F32}"/>
+              </a:ext>
+            </a:extLst>
+          </p:cNvPr>
+          <p:cNvSpPr>
+            <a:spLocks noGrp="1"/>
+          </p:cNvSpPr>
+          <p:nvPr>
+            <p:ph type="sldNum" sz="quarter" idx="12"/>
+          </p:nvPr>
+        </p:nvSpPr>
+        <p:spPr>
+          <a:xfrm>
+            <a:off x="0" y="6492875"/>
+            <a:ext cx="683339" cy="365125"/>
+          </a:xfrm>
+        </p:spPr>
+        <p:txBody>
+          <a:bodyPr/>
+          <a:lstStyle/>
+          <a:p>
+            <a:fld id="{B91CD15E-AE30-4416-8ECF-E4D642E1B7D0}" type="slidenum">
+              <a:rPr lang="en-US" smtClean="0"/>
+              <a:t>2</a:t>
+            </a:fld>
+            <a:endParaRPr lang="en-US"/>
+          </a:p>
+        </p:txBody>
+      </p:sp>
     </p:spTree>
     <p:extLst>
       <p:ext uri="{BB962C8B-B14F-4D97-AF65-F5344CB8AC3E}">
@@ -9596,6 +9971,40 @@
           </a:p>
         </p:txBody>
       </p:sp>
+      <p:sp>
+        <p:nvSpPr>
+          <p:cNvPr id="2" name="Slide Number Placeholder 1">
+            <a:extLst>
+              <a:ext uri="{FF2B5EF4-FFF2-40B4-BE49-F238E27FC236}">
+                <a16:creationId xmlns:a16="http://schemas.microsoft.com/office/drawing/2014/main" id="{51E131CB-E5E9-4021-BF26-3725A50D2108}"/>
+              </a:ext>
+            </a:extLst>
+          </p:cNvPr>
+          <p:cNvSpPr>
+            <a:spLocks noGrp="1"/>
+          </p:cNvSpPr>
+          <p:nvPr>
+            <p:ph type="sldNum" sz="quarter" idx="12"/>
+          </p:nvPr>
+        </p:nvSpPr>
+        <p:spPr>
+          <a:xfrm>
+            <a:off x="0" y="6492875"/>
+            <a:ext cx="683339" cy="365125"/>
+          </a:xfrm>
+        </p:spPr>
+        <p:txBody>
+          <a:bodyPr/>
+          <a:lstStyle/>
+          <a:p>
+            <a:fld id="{B91CD15E-AE30-4416-8ECF-E4D642E1B7D0}" type="slidenum">
+              <a:rPr lang="en-US" smtClean="0"/>
+              <a:t>3</a:t>
+            </a:fld>
+            <a:endParaRPr lang="en-US"/>
+          </a:p>
+        </p:txBody>
+      </p:sp>
     </p:spTree>
     <p:extLst>
       <p:ext uri="{BB962C8B-B14F-4D97-AF65-F5344CB8AC3E}">
@@ -9788,6 +10197,40 @@
           </a:p>
         </p:txBody>
       </p:sp>
+      <p:sp>
+        <p:nvSpPr>
+          <p:cNvPr id="2" name="Slide Number Placeholder 1">
+            <a:extLst>
+              <a:ext uri="{FF2B5EF4-FFF2-40B4-BE49-F238E27FC236}">
+                <a16:creationId xmlns:a16="http://schemas.microsoft.com/office/drawing/2014/main" id="{05BFA152-2FFE-4377-9868-CB269502E9D7}"/>
+              </a:ext>
+            </a:extLst>
+          </p:cNvPr>
+          <p:cNvSpPr>
+            <a:spLocks noGrp="1"/>
+          </p:cNvSpPr>
+          <p:nvPr>
+            <p:ph type="sldNum" sz="quarter" idx="12"/>
+          </p:nvPr>
+        </p:nvSpPr>
+        <p:spPr>
+          <a:xfrm>
+            <a:off x="0" y="6492875"/>
+            <a:ext cx="683339" cy="365125"/>
+          </a:xfrm>
+        </p:spPr>
+        <p:txBody>
+          <a:bodyPr/>
+          <a:lstStyle/>
+          <a:p>
+            <a:fld id="{B91CD15E-AE30-4416-8ECF-E4D642E1B7D0}" type="slidenum">
+              <a:rPr lang="en-US" smtClean="0"/>
+              <a:t>4</a:t>
+            </a:fld>
+            <a:endParaRPr lang="en-US"/>
+          </a:p>
+        </p:txBody>
+      </p:sp>
     </p:spTree>
     <p:extLst>
       <p:ext uri="{BB962C8B-B14F-4D97-AF65-F5344CB8AC3E}">
@@ -9938,6 +10381,35 @@
           </a:p>
         </p:txBody>
       </p:sp>
+      <p:sp>
+        <p:nvSpPr>
+          <p:cNvPr id="2" name="Slide Number Placeholder 1">
+            <a:extLst>
+              <a:ext uri="{FF2B5EF4-FFF2-40B4-BE49-F238E27FC236}">
+                <a16:creationId xmlns:a16="http://schemas.microsoft.com/office/drawing/2014/main" id="{1FC082AB-95A1-4532-9ADB-60F68F41E35B}"/>
+              </a:ext>
+            </a:extLst>
+          </p:cNvPr>
+          <p:cNvSpPr>
+            <a:spLocks noGrp="1"/>
+          </p:cNvSpPr>
+          <p:nvPr>
+            <p:ph type="sldNum" sz="quarter" idx="12"/>
+          </p:nvPr>
+        </p:nvSpPr>
+        <p:spPr/>
+        <p:txBody>
+          <a:bodyPr/>
+          <a:lstStyle/>
+          <a:p>
+            <a:fld id="{B91CD15E-AE30-4416-8ECF-E4D642E1B7D0}" type="slidenum">
+              <a:rPr lang="en-US" smtClean="0"/>
+              <a:t>5</a:t>
+            </a:fld>
+            <a:endParaRPr lang="en-US"/>
+          </a:p>
+        </p:txBody>
+      </p:sp>
     </p:spTree>
     <p:extLst>
       <p:ext uri="{BB962C8B-B14F-4D97-AF65-F5344CB8AC3E}">
@@ -10170,6 +10642,35 @@
           </a:p>
         </p:txBody>
       </p:sp>
+      <p:sp>
+        <p:nvSpPr>
+          <p:cNvPr id="2" name="Slide Number Placeholder 1">
+            <a:extLst>
+              <a:ext uri="{FF2B5EF4-FFF2-40B4-BE49-F238E27FC236}">
+                <a16:creationId xmlns:a16="http://schemas.microsoft.com/office/drawing/2014/main" id="{6D44AB0A-8676-4083-B52C-0F343D819797}"/>
+              </a:ext>
+            </a:extLst>
+          </p:cNvPr>
+          <p:cNvSpPr>
+            <a:spLocks noGrp="1"/>
+          </p:cNvSpPr>
+          <p:nvPr>
+            <p:ph type="sldNum" sz="quarter" idx="12"/>
+          </p:nvPr>
+        </p:nvSpPr>
+        <p:spPr/>
+        <p:txBody>
+          <a:bodyPr/>
+          <a:lstStyle/>
+          <a:p>
+            <a:fld id="{B91CD15E-AE30-4416-8ECF-E4D642E1B7D0}" type="slidenum">
+              <a:rPr lang="en-US" smtClean="0"/>
+              <a:t>6</a:t>
+            </a:fld>
+            <a:endParaRPr lang="en-US"/>
+          </a:p>
+        </p:txBody>
+      </p:sp>
     </p:spTree>
     <p:extLst>
       <p:ext uri="{BB962C8B-B14F-4D97-AF65-F5344CB8AC3E}">
@@ -10343,6 +10844,40 @@
           </a:p>
         </p:txBody>
       </p:sp>
+      <p:sp>
+        <p:nvSpPr>
+          <p:cNvPr id="2" name="Slide Number Placeholder 1">
+            <a:extLst>
+              <a:ext uri="{FF2B5EF4-FFF2-40B4-BE49-F238E27FC236}">
+                <a16:creationId xmlns:a16="http://schemas.microsoft.com/office/drawing/2014/main" id="{1F04FD79-C6F9-4FE2-9DB2-AB5540E893AC}"/>
+              </a:ext>
+            </a:extLst>
+          </p:cNvPr>
+          <p:cNvSpPr>
+            <a:spLocks noGrp="1"/>
+          </p:cNvSpPr>
+          <p:nvPr>
+            <p:ph type="sldNum" sz="quarter" idx="12"/>
+          </p:nvPr>
+        </p:nvSpPr>
+        <p:spPr>
+          <a:xfrm>
+            <a:off x="0" y="6492875"/>
+            <a:ext cx="683339" cy="365125"/>
+          </a:xfrm>
+        </p:spPr>
+        <p:txBody>
+          <a:bodyPr/>
+          <a:lstStyle/>
+          <a:p>
+            <a:fld id="{B91CD15E-AE30-4416-8ECF-E4D642E1B7D0}" type="slidenum">
+              <a:rPr lang="en-US" smtClean="0"/>
+              <a:t>7</a:t>
+            </a:fld>
+            <a:endParaRPr lang="en-US"/>
+          </a:p>
+        </p:txBody>
+      </p:sp>
     </p:spTree>
     <p:extLst>
       <p:ext uri="{BB962C8B-B14F-4D97-AF65-F5344CB8AC3E}">
@@ -10596,6 +11131,35 @@
           </a:p>
         </p:txBody>
       </p:sp>
+      <p:sp>
+        <p:nvSpPr>
+          <p:cNvPr id="2" name="Slide Number Placeholder 1">
+            <a:extLst>
+              <a:ext uri="{FF2B5EF4-FFF2-40B4-BE49-F238E27FC236}">
+                <a16:creationId xmlns:a16="http://schemas.microsoft.com/office/drawing/2014/main" id="{B0B6FEF8-3DF3-429F-AF1A-308A6C64DD8B}"/>
+              </a:ext>
+            </a:extLst>
+          </p:cNvPr>
+          <p:cNvSpPr>
+            <a:spLocks noGrp="1"/>
+          </p:cNvSpPr>
+          <p:nvPr>
+            <p:ph type="sldNum" sz="quarter" idx="12"/>
+          </p:nvPr>
+        </p:nvSpPr>
+        <p:spPr/>
+        <p:txBody>
+          <a:bodyPr/>
+          <a:lstStyle/>
+          <a:p>
+            <a:fld id="{B91CD15E-AE30-4416-8ECF-E4D642E1B7D0}" type="slidenum">
+              <a:rPr lang="en-US" smtClean="0"/>
+              <a:t>8</a:t>
+            </a:fld>
+            <a:endParaRPr lang="en-US"/>
+          </a:p>
+        </p:txBody>
+      </p:sp>
     </p:spTree>
     <p:extLst>
       <p:ext uri="{BB962C8B-B14F-4D97-AF65-F5344CB8AC3E}">
@@ -10790,6 +11354,40 @@
               <a:ea typeface="Calibri" panose="020F0502020204030204" pitchFamily="34" charset="0"/>
               <a:cs typeface="Calibri" panose="020F0502020204030204" pitchFamily="34" charset="0"/>
             </a:endParaRPr>
+          </a:p>
+        </p:txBody>
+      </p:sp>
+      <p:sp>
+        <p:nvSpPr>
+          <p:cNvPr id="2" name="Slide Number Placeholder 1">
+            <a:extLst>
+              <a:ext uri="{FF2B5EF4-FFF2-40B4-BE49-F238E27FC236}">
+                <a16:creationId xmlns:a16="http://schemas.microsoft.com/office/drawing/2014/main" id="{92F3E8BC-5F1A-4744-9EC5-9D644EAF7588}"/>
+              </a:ext>
+            </a:extLst>
+          </p:cNvPr>
+          <p:cNvSpPr>
+            <a:spLocks noGrp="1"/>
+          </p:cNvSpPr>
+          <p:nvPr>
+            <p:ph type="sldNum" sz="quarter" idx="12"/>
+          </p:nvPr>
+        </p:nvSpPr>
+        <p:spPr>
+          <a:xfrm>
+            <a:off x="0" y="6492875"/>
+            <a:ext cx="683339" cy="365125"/>
+          </a:xfrm>
+        </p:spPr>
+        <p:txBody>
+          <a:bodyPr/>
+          <a:lstStyle/>
+          <a:p>
+            <a:fld id="{B91CD15E-AE30-4416-8ECF-E4D642E1B7D0}" type="slidenum">
+              <a:rPr lang="en-US" smtClean="0"/>
+              <a:t>9</a:t>
+            </a:fld>
+            <a:endParaRPr lang="en-US"/>
           </a:p>
         </p:txBody>
       </p:sp>
